--- a/Dynamic Pricing for EV Charging Station.pptx
+++ b/Dynamic Pricing for EV Charging Station.pptx
@@ -18885,15 +18885,7 @@
                   <a:schemeClr val="bg1"/>
                 </a:solidFill>
               </a:rPr>
-              <a:t>Advantage of Dynamic Pricing &amp; </a:t>
-            </a:r>
-            <a:r>
-              <a:rPr lang="en-IN" sz="1600" dirty="0" smtClean="0">
-                <a:solidFill>
-                  <a:schemeClr val="bg1"/>
-                </a:solidFill>
-              </a:rPr>
-              <a:t>Dynamic Pricing In Case of EV Charging</a:t>
+              <a:t>Advantage of Dynamic Pricing &amp; Dynamic Pricing In Case of EV Charging</a:t>
             </a:r>
           </a:p>
           <a:p>
@@ -22649,178 +22641,154 @@
           </a:bodyPr>
           <a:lstStyle/>
           <a:p>
-            <a:pPr marL="457200" lvl="0" indent="-336550" algn="l" rtl="0">
+            <a:pPr marL="406400" indent="-285750">
               <a:lnSpc>
                 <a:spcPct val="105000"/>
               </a:lnSpc>
-              <a:spcBef>
-                <a:spcPts val="0"/>
-              </a:spcBef>
-              <a:spcAft>
-                <a:spcPts val="0"/>
-              </a:spcAft>
               <a:buSzPts val="1700"/>
-              <a:buAutoNum type="arabicPeriod"/>
             </a:pPr>
             <a:r>
-              <a:rPr lang="en-GB" sz="1700"/>
+              <a:rPr lang="en-GB" sz="1700" dirty="0"/>
               <a:t>Dynamic pricing means the price on a product or service can </a:t>
             </a:r>
             <a:r>
-              <a:rPr lang="en-GB" sz="1700">
+              <a:rPr lang="en-GB" sz="1700" dirty="0">
                 <a:highlight>
                   <a:srgbClr val="FFFF00"/>
                 </a:highlight>
               </a:rPr>
-              <a:t>change over time.</a:t>
+              <a:t>change over time</a:t>
             </a:r>
-            <a:endParaRPr sz="1700">
+            <a:r>
+              <a:rPr lang="en-GB" sz="1700" dirty="0" smtClean="0">
+                <a:highlight>
+                  <a:srgbClr val="FFFF00"/>
+                </a:highlight>
+              </a:rPr>
+              <a:t>.</a:t>
+            </a:r>
+            <a:endParaRPr lang="en-GB" sz="1700" dirty="0">
               <a:highlight>
                 <a:srgbClr val="FFFF00"/>
               </a:highlight>
             </a:endParaRPr>
           </a:p>
           <a:p>
-            <a:pPr marL="457200" lvl="0" indent="0" algn="l" rtl="0">
+            <a:pPr marL="120650" indent="0">
               <a:lnSpc>
                 <a:spcPct val="105000"/>
               </a:lnSpc>
-              <a:spcBef>
-                <a:spcPts val="1200"/>
-              </a:spcBef>
-              <a:spcAft>
-                <a:spcPts val="0"/>
-              </a:spcAft>
+              <a:buSzPts val="1700"/>
               <a:buNone/>
             </a:pPr>
-            <a:endParaRPr sz="1700">
+            <a:endParaRPr sz="1700" dirty="0">
               <a:highlight>
                 <a:srgbClr val="FFFF00"/>
               </a:highlight>
             </a:endParaRPr>
           </a:p>
           <a:p>
-            <a:pPr marL="457200" lvl="0" indent="-336550" algn="l" rtl="0">
+            <a:pPr marL="406400" indent="-285750">
               <a:lnSpc>
                 <a:spcPct val="105000"/>
               </a:lnSpc>
               <a:spcBef>
                 <a:spcPts val="1200"/>
               </a:spcBef>
-              <a:spcAft>
-                <a:spcPts val="0"/>
-              </a:spcAft>
               <a:buSzPts val="1700"/>
-              <a:buAutoNum type="arabicPeriod"/>
             </a:pPr>
             <a:r>
-              <a:rPr lang="en-GB" sz="1700"/>
+              <a:rPr lang="en-GB" sz="1700" dirty="0"/>
               <a:t>Keeps the </a:t>
             </a:r>
             <a:r>
-              <a:rPr lang="en-GB" sz="1700">
+              <a:rPr lang="en-GB" sz="1700" dirty="0">
                 <a:highlight>
                   <a:srgbClr val="FFFF00"/>
                 </a:highlight>
               </a:rPr>
               <a:t>market competitive.</a:t>
             </a:r>
-            <a:endParaRPr sz="1700">
+            <a:endParaRPr sz="1700" dirty="0">
               <a:highlight>
                 <a:srgbClr val="FFFF00"/>
               </a:highlight>
             </a:endParaRPr>
           </a:p>
           <a:p>
-            <a:pPr marL="457200" lvl="0" indent="0" algn="l" rtl="0">
+            <a:pPr marL="742950" indent="-285750">
               <a:lnSpc>
                 <a:spcPct val="105000"/>
               </a:lnSpc>
               <a:spcBef>
                 <a:spcPts val="1200"/>
               </a:spcBef>
-              <a:spcAft>
-                <a:spcPts val="0"/>
-              </a:spcAft>
-              <a:buNone/>
             </a:pPr>
-            <a:endParaRPr sz="1700">
+            <a:endParaRPr sz="1700" dirty="0">
               <a:highlight>
                 <a:srgbClr val="FFFF00"/>
               </a:highlight>
             </a:endParaRPr>
           </a:p>
           <a:p>
-            <a:pPr marL="457200" lvl="0" indent="-336550" algn="l" rtl="0">
+            <a:pPr marL="406400" indent="-285750">
               <a:lnSpc>
                 <a:spcPct val="105000"/>
               </a:lnSpc>
               <a:spcBef>
                 <a:spcPts val="1200"/>
               </a:spcBef>
-              <a:spcAft>
-                <a:spcPts val="0"/>
-              </a:spcAft>
               <a:buSzPts val="1700"/>
-              <a:buAutoNum type="arabicPeriod"/>
             </a:pPr>
             <a:r>
-              <a:rPr lang="en-GB" sz="1700"/>
+              <a:rPr lang="en-GB" sz="1700" dirty="0"/>
               <a:t>Decreases </a:t>
             </a:r>
             <a:r>
-              <a:rPr lang="en-GB" sz="1700">
+              <a:rPr lang="en-GB" sz="1700" dirty="0">
                 <a:highlight>
                   <a:srgbClr val="FFFF00"/>
                 </a:highlight>
               </a:rPr>
               <a:t>the chance of market monopoly.</a:t>
             </a:r>
-            <a:endParaRPr sz="1700">
+            <a:endParaRPr sz="1700" dirty="0">
               <a:highlight>
                 <a:srgbClr val="FFFF00"/>
               </a:highlight>
             </a:endParaRPr>
           </a:p>
           <a:p>
-            <a:pPr marL="457200" lvl="0" indent="0" algn="l" rtl="0">
+            <a:pPr marL="742950" indent="-285750">
               <a:lnSpc>
                 <a:spcPct val="105000"/>
               </a:lnSpc>
               <a:spcBef>
                 <a:spcPts val="1200"/>
               </a:spcBef>
-              <a:spcAft>
-                <a:spcPts val="0"/>
-              </a:spcAft>
-              <a:buNone/>
             </a:pPr>
-            <a:endParaRPr sz="1700">
+            <a:endParaRPr sz="1700" dirty="0">
               <a:highlight>
                 <a:srgbClr val="FFFF00"/>
               </a:highlight>
             </a:endParaRPr>
           </a:p>
           <a:p>
-            <a:pPr marL="457200" lvl="0" indent="-336550" algn="l" rtl="0">
+            <a:pPr marL="406400" indent="-285750">
               <a:lnSpc>
                 <a:spcPct val="105000"/>
               </a:lnSpc>
               <a:spcBef>
                 <a:spcPts val="1200"/>
               </a:spcBef>
-              <a:spcAft>
-                <a:spcPts val="0"/>
-              </a:spcAft>
               <a:buSzPts val="1700"/>
-              <a:buAutoNum type="arabicPeriod"/>
             </a:pPr>
             <a:r>
-              <a:rPr lang="en-GB" sz="1700"/>
+              <a:rPr lang="en-GB" sz="1700" dirty="0"/>
               <a:t>Dynamic pricing </a:t>
             </a:r>
             <a:r>
-              <a:rPr lang="en-GB" sz="1700">
+              <a:rPr lang="en-GB" sz="1700" dirty="0">
                 <a:highlight>
                   <a:srgbClr val="FFFF00"/>
                 </a:highlight>
@@ -22828,13 +22796,13 @@
               <a:t>allows to analyse each customer</a:t>
             </a:r>
             <a:r>
-              <a:rPr lang="en-GB" sz="1700"/>
+              <a:rPr lang="en-GB" sz="1700" dirty="0"/>
               <a:t>.</a:t>
             </a:r>
-            <a:endParaRPr sz="1700"/>
+            <a:endParaRPr sz="1700" dirty="0"/>
           </a:p>
           <a:p>
-            <a:pPr marL="0" lvl="0" indent="0" algn="l" rtl="0">
+            <a:pPr marL="285750" indent="-285750">
               <a:lnSpc>
                 <a:spcPct val="105000"/>
               </a:lnSpc>
@@ -22844,9 +22812,8 @@
               <a:spcAft>
                 <a:spcPts val="1200"/>
               </a:spcAft>
-              <a:buNone/>
             </a:pPr>
-            <a:endParaRPr sz="1700"/>
+            <a:endParaRPr sz="1700" dirty="0"/>
           </a:p>
         </p:txBody>
       </p:sp>
@@ -23264,16 +23231,7 @@
                 <a:cs typeface="Maven Pro"/>
                 <a:sym typeface="Maven Pro"/>
               </a:rPr>
-              <a:t>literature review[4] </a:t>
-            </a:r>
-            <a:r>
-              <a:rPr lang="en-GB" dirty="0">
-                <a:latin typeface="Maven Pro"/>
-                <a:ea typeface="Maven Pro"/>
-                <a:cs typeface="Maven Pro"/>
-                <a:sym typeface="Maven Pro"/>
-              </a:rPr>
-              <a:t>has shown that the pricing strategies can be categorized according to the following figure.</a:t>
+              <a:t>literature review[4] has shown that the pricing strategies can be categorized according to the following figure.</a:t>
             </a:r>
             <a:endParaRPr sz="300" dirty="0"/>
           </a:p>
